--- a/finalppt.pptx
+++ b/finalppt.pptx
@@ -4292,31 +4292,28 @@
           </a:p>
           <a:p>
             <a:r>
+              <a:rPr lang="en-US" sz="2000" dirty="0" smtClean="0"/>
+              <a:t>Different </a:t>
+            </a:r>
+            <a:r>
               <a:rPr lang="en-US" sz="2000" dirty="0"/>
-              <a:t>Because of this it is </a:t>
+              <a:t>government policies like Atal pension yojana have small investment amount and longer maturity time</a:t>
             </a:r>
             <a:r>
               <a:rPr lang="en-US" sz="2000" dirty="0" smtClean="0"/>
-              <a:t>difficult to </a:t>
-            </a:r>
-            <a:r>
-              <a:rPr lang="en-US" sz="2000" dirty="0"/>
-              <a:t>keep track of their </a:t>
-            </a:r>
+              <a:t>.</a:t>
+            </a:r>
+          </a:p>
+          <a:p>
             <a:r>
               <a:rPr lang="en-US" sz="2000" dirty="0" smtClean="0"/>
-              <a:t>income, expenses and </a:t>
-            </a:r>
-            <a:r>
-              <a:rPr lang="en-US" sz="2000" dirty="0"/>
+              <a:t>Because of this it is difficult to keep track of their income, expenses and </a:t>
+            </a:r>
+            <a:r>
+              <a:rPr lang="en-US" sz="2000" smtClean="0"/>
               <a:t>investments.</a:t>
             </a:r>
-          </a:p>
-          <a:p>
-            <a:r>
-              <a:rPr lang="en-US" sz="2000" dirty="0"/>
-              <a:t>Different government policies like Atal pension yojana have small investment amount and longer maturity time.</a:t>
-            </a:r>
+            <a:endParaRPr lang="en-US" sz="2000" dirty="0"/>
           </a:p>
           <a:p>
             <a:endParaRPr lang="kn-IN" sz="2000" dirty="0"/>
@@ -4422,14 +4419,10 @@
           <a:p>
             <a:r>
               <a:rPr lang="en-US" sz="2000" dirty="0"/>
-              <a:t>They can also store images like bonds related to </a:t>
-            </a:r>
-            <a:r>
-              <a:rPr lang="en-US" sz="2000"/>
-              <a:t>the </a:t>
-            </a:r>
-            <a:r>
-              <a:rPr lang="en-US" sz="2000" smtClean="0"/>
+              <a:t>They can also store images like bonds related to the </a:t>
+            </a:r>
+            <a:r>
+              <a:rPr lang="en-US" sz="2000" dirty="0" smtClean="0"/>
               <a:t>reminder.</a:t>
             </a:r>
             <a:endParaRPr lang="en-US" sz="2000" dirty="0"/>
@@ -4472,8 +4465,25 @@
             </a:r>
             <a:r>
               <a:rPr lang="en-US" sz="2000" dirty="0"/>
-              <a:t>reminders by giving interval period as 1.</a:t>
-            </a:r>
+              <a:t>reminders </a:t>
+            </a:r>
+            <a:r>
+              <a:rPr lang="en-US" sz="2000" dirty="0" smtClean="0"/>
+              <a:t>by</a:t>
+            </a:r>
+            <a:r>
+              <a:rPr lang="en-US" sz="2000" dirty="0" smtClean="0"/>
+              <a:t> providing end date same as start date and ignoring the </a:t>
+            </a:r>
+            <a:r>
+              <a:rPr lang="en-US" sz="2000" smtClean="0"/>
+              <a:t>interval values</a:t>
+            </a:r>
+            <a:r>
+              <a:rPr lang="en-US" sz="2000" smtClean="0"/>
+              <a:t>.</a:t>
+            </a:r>
+            <a:endParaRPr lang="en-US" sz="2000" dirty="0"/>
           </a:p>
         </p:txBody>
       </p:sp>
